--- a/ch06/第6章 类的继承.pptx
+++ b/ch06/第6章 类的继承.pptx
@@ -21,8 +21,8 @@
     <p:sldId id="439" r:id="rId9"/>
     <p:sldId id="458" r:id="rId10"/>
     <p:sldId id="440" r:id="rId11"/>
-    <p:sldId id="443" r:id="rId12"/>
-    <p:sldId id="442" r:id="rId13"/>
+    <p:sldId id="442" r:id="rId12"/>
+    <p:sldId id="443" r:id="rId13"/>
     <p:sldId id="493" r:id="rId14"/>
     <p:sldId id="461" r:id="rId15"/>
     <p:sldId id="462" r:id="rId16"/>
@@ -8680,11 +8680,66 @@
           <a:lstStyle/>
           <a:p>
             <a:r>
-              <a:rPr lang="zh-CN" altLang="en-US" smtClean="0">
+              <a:rPr lang="zh-CN" altLang="en-US" dirty="0" smtClean="0">
                 <a:latin typeface="Arial" pitchFamily="34" charset="0"/>
               </a:rPr>
-              <a:t>每个类只能拥有一个超类，但却可以实现多个接口</a:t>
-            </a:r>
+              <a:t>每个类只能拥有一个超类，但却可以实现多个</a:t>
+            </a:r>
+            <a:r>
+              <a:rPr lang="zh-CN" altLang="en-US" dirty="0" smtClean="0">
+                <a:latin typeface="Arial" pitchFamily="34" charset="0"/>
+              </a:rPr>
+              <a:t>接口</a:t>
+            </a:r>
+            <a:endParaRPr lang="en-US" altLang="zh-CN" dirty="0" smtClean="0">
+              <a:latin typeface="Arial" pitchFamily="34" charset="0"/>
+            </a:endParaRPr>
+          </a:p>
+          <a:p>
+            <a:r>
+              <a:rPr lang="zh-CN" altLang="en-US" dirty="0" smtClean="0">
+                <a:latin typeface="Arial" pitchFamily="34" charset="0"/>
+              </a:rPr>
+              <a:t>接口中的方法默认是</a:t>
+            </a:r>
+            <a:r>
+              <a:rPr lang="en-US" altLang="zh-CN" dirty="0" smtClean="0">
+                <a:latin typeface="Arial" pitchFamily="34" charset="0"/>
+              </a:rPr>
+              <a:t>public</a:t>
+            </a:r>
+            <a:r>
+              <a:rPr lang="zh-CN" altLang="en-US" dirty="0" smtClean="0">
+                <a:latin typeface="Arial" pitchFamily="34" charset="0"/>
+              </a:rPr>
+              <a:t>类型的，即便不写权限修饰符。在其实现类中，不能降低权限。</a:t>
+            </a:r>
+            <a:endParaRPr lang="en-US" altLang="zh-CN" dirty="0" smtClean="0">
+              <a:latin typeface="Arial" pitchFamily="34" charset="0"/>
+            </a:endParaRPr>
+          </a:p>
+          <a:p>
+            <a:r>
+              <a:rPr lang="zh-CN" altLang="en-US" dirty="0" smtClean="0">
+                <a:latin typeface="Arial" pitchFamily="34" charset="0"/>
+              </a:rPr>
+              <a:t>接口中的属性都是常量，即便不写关键词</a:t>
+            </a:r>
+            <a:r>
+              <a:rPr lang="en-US" altLang="zh-CN" dirty="0" smtClean="0">
+                <a:latin typeface="Arial" pitchFamily="34" charset="0"/>
+              </a:rPr>
+              <a:t>final</a:t>
+            </a:r>
+            <a:r>
+              <a:rPr lang="zh-CN" altLang="en-US" dirty="0" smtClean="0">
+                <a:latin typeface="Arial" pitchFamily="34" charset="0"/>
+              </a:rPr>
+              <a:t>。</a:t>
+            </a:r>
+            <a:endParaRPr lang="zh-CN" altLang="en-US" dirty="0" smtClean="0">
+              <a:latin typeface="Arial" pitchFamily="34" charset="0"/>
+            </a:endParaRPr>
           </a:p>
         </p:txBody>
       </p:sp>
@@ -11565,7 +11620,36 @@
           <a:bodyPr/>
           <a:lstStyle/>
           <a:p>
-            <a:endParaRPr lang="zh-CN" altLang="en-US" smtClean="0">
+            <a:r>
+              <a:rPr lang="en-US" altLang="zh-CN" dirty="0" smtClean="0">
+                <a:latin typeface="Arial" pitchFamily="34" charset="0"/>
+              </a:rPr>
+              <a:t>1. </a:t>
+            </a:r>
+            <a:r>
+              <a:rPr lang="zh-CN" altLang="en-US" dirty="0" smtClean="0">
+                <a:latin typeface="Arial" pitchFamily="34" charset="0"/>
+              </a:rPr>
+              <a:t>能正确执行</a:t>
+            </a:r>
+            <a:endParaRPr lang="en-US" altLang="zh-CN" dirty="0" smtClean="0">
+              <a:latin typeface="Arial" pitchFamily="34" charset="0"/>
+            </a:endParaRPr>
+          </a:p>
+          <a:p>
+            <a:r>
+              <a:rPr lang="en-US" altLang="zh-CN" dirty="0" smtClean="0">
+                <a:latin typeface="Arial" pitchFamily="34" charset="0"/>
+              </a:rPr>
+              <a:t>2. </a:t>
+            </a:r>
+            <a:r>
+              <a:rPr lang="zh-CN" altLang="en-US" dirty="0" smtClean="0">
+                <a:latin typeface="Arial" pitchFamily="34" charset="0"/>
+              </a:rPr>
+              <a:t>会执行父类的构造方法</a:t>
+            </a:r>
+            <a:endParaRPr lang="zh-CN" altLang="en-US" dirty="0" smtClean="0">
               <a:latin typeface="Arial" pitchFamily="34" charset="0"/>
             </a:endParaRPr>
           </a:p>
@@ -12199,7 +12283,7 @@
                 </a:solidFill>
               </a:rPr>
               <a:pPr eaLnBrk="1" hangingPunct="1"/>
-              <a:t>12</a:t>
+              <a:t>11</a:t>
             </a:fld>
             <a:endParaRPr lang="pt-PT" altLang="zh-CN" sz="1200" smtClean="0">
               <a:solidFill>
@@ -14506,7 +14590,7 @@
         <p:spPr bwMode="auto">
           <a:xfrm>
             <a:off x="1928131" y="1190629"/>
-            <a:ext cx="3729036" cy="4400550"/>
+            <a:ext cx="3983783" cy="4708981"/>
           </a:xfrm>
           <a:prstGeom prst="rect">
             <a:avLst/>
@@ -14748,13 +14832,22 @@
               <a:defRPr/>
             </a:pPr>
             <a:r>
-              <a:rPr lang="en-US" altLang="zh-CN" dirty="0">
+              <a:rPr lang="en-US" altLang="zh-CN" u="sng" dirty="0">
                 <a:solidFill>
                   <a:schemeClr val="tx1"/>
                 </a:solidFill>
                 <a:ea typeface="宋体" pitchFamily="2" charset="-122"/>
               </a:rPr>
-              <a:t>     public Person(String name){</a:t>
+              <a:t>     </a:t>
+            </a:r>
+            <a:r>
+              <a:rPr lang="en-US" altLang="zh-CN" b="1" u="sng" dirty="0">
+                <a:solidFill>
+                  <a:schemeClr val="tx1"/>
+                </a:solidFill>
+                <a:ea typeface="宋体" pitchFamily="2" charset="-122"/>
+              </a:rPr>
+              <a:t>public Person(String name){</a:t>
             </a:r>
           </a:p>
           <a:p>
@@ -14762,7 +14855,7 @@
               <a:defRPr/>
             </a:pPr>
             <a:r>
-              <a:rPr lang="en-US" altLang="zh-CN" dirty="0">
+              <a:rPr lang="en-US" altLang="zh-CN" b="1" u="sng" dirty="0">
                 <a:solidFill>
                   <a:schemeClr val="tx1"/>
                 </a:solidFill>
@@ -14771,7 +14864,7 @@
               <a:t>     </a:t>
             </a:r>
             <a:r>
-              <a:rPr lang="zh-CN" altLang="en-US" dirty="0">
+              <a:rPr lang="zh-CN" altLang="en-US" b="1" u="sng" dirty="0">
                 <a:solidFill>
                   <a:schemeClr val="tx1"/>
                 </a:solidFill>
@@ -14780,7 +14873,7 @@
               <a:t>    </a:t>
             </a:r>
             <a:r>
-              <a:rPr lang="en-US" altLang="zh-CN" dirty="0">
+              <a:rPr lang="en-US" altLang="zh-CN" b="1" u="sng" dirty="0">
                 <a:solidFill>
                   <a:schemeClr val="tx1"/>
                 </a:solidFill>
@@ -14794,14 +14887,34 @@
               <a:defRPr/>
             </a:pPr>
             <a:r>
-              <a:rPr lang="en-US" altLang="zh-CN" dirty="0">
+              <a:rPr lang="en-US" altLang="zh-CN" b="1" u="sng" dirty="0">
                 <a:solidFill>
                   <a:schemeClr val="tx1"/>
                 </a:solidFill>
                 <a:ea typeface="宋体" pitchFamily="2" charset="-122"/>
               </a:rPr>
-              <a:t>     }</a:t>
-            </a:r>
+              <a:t>     </a:t>
+            </a:r>
+            <a:r>
+              <a:rPr lang="en-US" altLang="zh-CN" b="1" u="sng" dirty="0" smtClean="0">
+                <a:solidFill>
+                  <a:schemeClr val="tx1"/>
+                </a:solidFill>
+                <a:ea typeface="宋体" pitchFamily="2" charset="-122"/>
+              </a:rPr>
+              <a:t>}</a:t>
+            </a:r>
+          </a:p>
+          <a:p>
+            <a:pPr eaLnBrk="1" hangingPunct="1">
+              <a:defRPr/>
+            </a:pPr>
+            <a:endParaRPr lang="en-US" altLang="zh-CN" b="1" u="sng" dirty="0">
+              <a:solidFill>
+                <a:schemeClr val="tx1"/>
+              </a:solidFill>
+              <a:ea typeface="宋体" pitchFamily="2" charset="-122"/>
+            </a:endParaRPr>
           </a:p>
           <a:p>
             <a:pPr eaLnBrk="1" hangingPunct="1">
@@ -14889,7 +15002,7 @@
         <p:spPr bwMode="auto">
           <a:xfrm>
             <a:off x="6062662" y="1188035"/>
-            <a:ext cx="3755195" cy="4401205"/>
+            <a:ext cx="3755195" cy="4708981"/>
           </a:xfrm>
           <a:prstGeom prst="rect">
             <a:avLst/>
@@ -15099,9 +15212,18 @@
                 </a:solidFill>
                 <a:ea typeface="宋体" pitchFamily="2" charset="-122"/>
               </a:rPr>
-              <a:t>方法省略</a:t>
-            </a:r>
-            <a:endParaRPr lang="en-US" altLang="zh-CN" dirty="0">
+              <a:t>方法</a:t>
+            </a:r>
+            <a:r>
+              <a:rPr lang="zh-CN" altLang="en-US" dirty="0" smtClean="0">
+                <a:solidFill>
+                  <a:schemeClr val="tx1"/>
+                </a:solidFill>
+                <a:ea typeface="宋体" pitchFamily="2" charset="-122"/>
+              </a:rPr>
+              <a:t>省略</a:t>
+            </a:r>
+            <a:endParaRPr lang="en-US" altLang="zh-CN" dirty="0" smtClean="0">
               <a:solidFill>
                 <a:schemeClr val="tx1"/>
               </a:solidFill>
@@ -15156,61 +15278,12 @@
             <a:pPr eaLnBrk="1" hangingPunct="1">
               <a:defRPr/>
             </a:pPr>
-            <a:r>
-              <a:rPr lang="en-US" altLang="zh-CN" dirty="0">
-                <a:solidFill>
-                  <a:schemeClr val="tx1"/>
-                </a:solidFill>
-                <a:ea typeface="宋体" pitchFamily="2" charset="-122"/>
-              </a:rPr>
-              <a:t>     public void </a:t>
-            </a:r>
-            <a:r>
-              <a:rPr lang="en-US" altLang="zh-CN" dirty="0" err="1">
-                <a:solidFill>
-                  <a:schemeClr val="tx1"/>
-                </a:solidFill>
-                <a:ea typeface="宋体" pitchFamily="2" charset="-122"/>
-              </a:rPr>
-              <a:t>displayEx</a:t>
-            </a:r>
-            <a:r>
-              <a:rPr lang="en-US" altLang="zh-CN" dirty="0">
-                <a:solidFill>
-                  <a:schemeClr val="tx1"/>
-                </a:solidFill>
-                <a:ea typeface="宋体" pitchFamily="2" charset="-122"/>
-              </a:rPr>
-              <a:t>(){</a:t>
-            </a:r>
-          </a:p>
-          <a:p>
-            <a:pPr eaLnBrk="1" hangingPunct="1">
-              <a:defRPr/>
-            </a:pPr>
-            <a:r>
-              <a:rPr lang="en-US" altLang="zh-CN" dirty="0">
-                <a:solidFill>
-                  <a:schemeClr val="tx1"/>
-                </a:solidFill>
-                <a:ea typeface="宋体" pitchFamily="2" charset="-122"/>
-              </a:rPr>
-              <a:t>     }</a:t>
-            </a:r>
-          </a:p>
-          <a:p>
-            <a:pPr eaLnBrk="1" hangingPunct="1">
-              <a:defRPr/>
-            </a:pPr>
-            <a:r>
-              <a:rPr lang="en-US" altLang="zh-CN" dirty="0" smtClean="0">
-                <a:solidFill>
-                  <a:schemeClr val="tx1"/>
-                </a:solidFill>
-                <a:ea typeface="宋体" pitchFamily="2" charset="-122"/>
-              </a:rPr>
-              <a:t>}</a:t>
-            </a:r>
+            <a:endParaRPr lang="en-US" altLang="zh-CN" dirty="0" smtClean="0">
+              <a:solidFill>
+                <a:schemeClr val="tx1"/>
+              </a:solidFill>
+              <a:ea typeface="宋体" pitchFamily="2" charset="-122"/>
+            </a:endParaRPr>
           </a:p>
           <a:p>
             <a:pPr eaLnBrk="1" hangingPunct="1">
@@ -15227,6 +15300,72 @@
             <a:pPr eaLnBrk="1" hangingPunct="1">
               <a:defRPr/>
             </a:pPr>
+            <a:endParaRPr lang="en-US" altLang="zh-CN" dirty="0">
+              <a:solidFill>
+                <a:schemeClr val="tx1"/>
+              </a:solidFill>
+              <a:ea typeface="宋体" pitchFamily="2" charset="-122"/>
+            </a:endParaRPr>
+          </a:p>
+          <a:p>
+            <a:pPr eaLnBrk="1" hangingPunct="1">
+              <a:defRPr/>
+            </a:pPr>
+            <a:r>
+              <a:rPr lang="en-US" altLang="zh-CN" dirty="0">
+                <a:solidFill>
+                  <a:schemeClr val="tx1"/>
+                </a:solidFill>
+                <a:ea typeface="宋体" pitchFamily="2" charset="-122"/>
+              </a:rPr>
+              <a:t>     public void </a:t>
+            </a:r>
+            <a:r>
+              <a:rPr lang="en-US" altLang="zh-CN" dirty="0" err="1">
+                <a:solidFill>
+                  <a:schemeClr val="tx1"/>
+                </a:solidFill>
+                <a:ea typeface="宋体" pitchFamily="2" charset="-122"/>
+              </a:rPr>
+              <a:t>displayEx</a:t>
+            </a:r>
+            <a:r>
+              <a:rPr lang="en-US" altLang="zh-CN" dirty="0">
+                <a:solidFill>
+                  <a:schemeClr val="tx1"/>
+                </a:solidFill>
+                <a:ea typeface="宋体" pitchFamily="2" charset="-122"/>
+              </a:rPr>
+              <a:t>(){</a:t>
+            </a:r>
+          </a:p>
+          <a:p>
+            <a:pPr eaLnBrk="1" hangingPunct="1">
+              <a:defRPr/>
+            </a:pPr>
+            <a:r>
+              <a:rPr lang="en-US" altLang="zh-CN" dirty="0">
+                <a:solidFill>
+                  <a:schemeClr val="tx1"/>
+                </a:solidFill>
+                <a:ea typeface="宋体" pitchFamily="2" charset="-122"/>
+              </a:rPr>
+              <a:t>     }</a:t>
+            </a:r>
+          </a:p>
+          <a:p>
+            <a:pPr eaLnBrk="1" hangingPunct="1">
+              <a:defRPr/>
+            </a:pPr>
+            <a:r>
+              <a:rPr lang="en-US" altLang="zh-CN" dirty="0" smtClean="0">
+                <a:solidFill>
+                  <a:schemeClr val="tx1"/>
+                </a:solidFill>
+                <a:ea typeface="宋体" pitchFamily="2" charset="-122"/>
+              </a:rPr>
+              <a:t>}</a:t>
+            </a:r>
             <a:endParaRPr lang="en-US" altLang="zh-CN" dirty="0">
               <a:solidFill>
                 <a:schemeClr val="tx1"/>
@@ -15341,7 +15480,7 @@
         </p:nvSpPr>
         <p:spPr bwMode="auto">
           <a:xfrm>
-            <a:off x="2291313" y="3573463"/>
+            <a:off x="2278832" y="3781152"/>
             <a:ext cx="3313112" cy="1016000"/>
           </a:xfrm>
           <a:prstGeom prst="rect">
@@ -15522,7 +15661,7 @@
         </p:nvSpPr>
         <p:spPr bwMode="auto">
           <a:xfrm>
-            <a:off x="6456364" y="2708276"/>
+            <a:off x="6448648" y="3372712"/>
             <a:ext cx="3311525" cy="1323975"/>
           </a:xfrm>
           <a:prstGeom prst="rect">
@@ -16039,177 +16178,6 @@
       </p:grpSpPr>
       <p:sp>
         <p:nvSpPr>
-          <p:cNvPr id="16386" name="Rectangle 2"/>
-          <p:cNvSpPr>
-            <a:spLocks noGrp="1"/>
-          </p:cNvSpPr>
-          <p:nvPr>
-            <p:ph type="title"/>
-          </p:nvPr>
-        </p:nvSpPr>
-        <p:spPr/>
-        <p:txBody>
-          <a:bodyPr/>
-          <a:lstStyle/>
-          <a:p>
-            <a:r>
-              <a:rPr lang="en-US" altLang="zh-CN" smtClean="0"/>
-              <a:t>super</a:t>
-            </a:r>
-            <a:r>
-              <a:rPr lang="zh-CN" altLang="en-US" smtClean="0"/>
-              <a:t>关键字</a:t>
-            </a:r>
-          </a:p>
-        </p:txBody>
-      </p:sp>
-      <p:sp>
-        <p:nvSpPr>
-          <p:cNvPr id="16387" name="Rectangle 3"/>
-          <p:cNvSpPr>
-            <a:spLocks noGrp="1"/>
-          </p:cNvSpPr>
-          <p:nvPr>
-            <p:ph idx="1"/>
-          </p:nvPr>
-        </p:nvSpPr>
-        <p:spPr/>
-        <p:txBody>
-          <a:bodyPr/>
-          <a:lstStyle/>
-          <a:p>
-            <a:pPr>
-              <a:lnSpc>
-                <a:spcPct val="150000"/>
-              </a:lnSpc>
-            </a:pPr>
-            <a:r>
-              <a:rPr lang="zh-CN" altLang="en-US" dirty="0" smtClean="0"/>
-              <a:t>调用父类的构造方法</a:t>
-            </a:r>
-          </a:p>
-          <a:p>
-            <a:pPr lvl="1">
-              <a:lnSpc>
-                <a:spcPct val="150000"/>
-              </a:lnSpc>
-            </a:pPr>
-            <a:r>
-              <a:rPr lang="zh-CN" altLang="en-US" dirty="0" smtClean="0"/>
-              <a:t>使用</a:t>
-            </a:r>
-            <a:r>
-              <a:rPr lang="en-US" altLang="zh-CN" dirty="0" smtClean="0"/>
-              <a:t>super()</a:t>
-            </a:r>
-            <a:r>
-              <a:rPr lang="zh-CN" altLang="en-US" dirty="0" smtClean="0"/>
-              <a:t>、</a:t>
-            </a:r>
-            <a:r>
-              <a:rPr lang="en-US" altLang="zh-CN" dirty="0" smtClean="0"/>
-              <a:t>super(</a:t>
-            </a:r>
-            <a:r>
-              <a:rPr lang="zh-CN" altLang="en-US" dirty="0" smtClean="0"/>
-              <a:t>参数</a:t>
-            </a:r>
-            <a:r>
-              <a:rPr lang="en-US" altLang="zh-CN" dirty="0" smtClean="0"/>
-              <a:t>)</a:t>
-            </a:r>
-            <a:r>
-              <a:rPr lang="zh-CN" altLang="en-US" dirty="0" smtClean="0"/>
-              <a:t>的形式。</a:t>
-            </a:r>
-          </a:p>
-          <a:p>
-            <a:pPr lvl="1">
-              <a:lnSpc>
-                <a:spcPct val="150000"/>
-              </a:lnSpc>
-            </a:pPr>
-            <a:r>
-              <a:rPr lang="en-US" altLang="zh-CN" dirty="0" smtClean="0"/>
-              <a:t>super</a:t>
-            </a:r>
-            <a:r>
-              <a:rPr lang="en-US" altLang="zh-CN" dirty="0" smtClean="0"/>
-              <a:t>()</a:t>
-            </a:r>
-            <a:r>
-              <a:rPr lang="zh-CN" altLang="en-US" dirty="0"/>
-              <a:t> 、</a:t>
-            </a:r>
-            <a:r>
-              <a:rPr lang="en-US" altLang="zh-CN" dirty="0"/>
-              <a:t>super(</a:t>
-            </a:r>
-            <a:r>
-              <a:rPr lang="zh-CN" altLang="en-US" dirty="0"/>
-              <a:t>参数</a:t>
-            </a:r>
-            <a:r>
-              <a:rPr lang="en-US" altLang="zh-CN" dirty="0"/>
-              <a:t>)</a:t>
-            </a:r>
-            <a:r>
-              <a:rPr lang="zh-CN" altLang="en-US" dirty="0" smtClean="0"/>
-              <a:t>调用</a:t>
-            </a:r>
-            <a:r>
-              <a:rPr lang="zh-CN" altLang="en-US" dirty="0" smtClean="0"/>
-              <a:t>只能放在子类构造方法的第一行。</a:t>
-            </a:r>
-          </a:p>
-          <a:p>
-            <a:pPr lvl="1">
-              <a:lnSpc>
-                <a:spcPct val="150000"/>
-              </a:lnSpc>
-            </a:pPr>
-            <a:r>
-              <a:rPr lang="zh-CN" altLang="en-US" dirty="0" smtClean="0"/>
-              <a:t>子类构造方法中没有显示调用父类构造方法，则默认调用父类的无参构造方法。</a:t>
-            </a:r>
-          </a:p>
-        </p:txBody>
-      </p:sp>
-    </p:spTree>
-  </p:cSld>
-  <p:clrMapOvr>
-    <a:masterClrMapping/>
-  </p:clrMapOvr>
-  <p:transition/>
-  <p:timing>
-    <p:tnLst>
-      <p:par>
-        <p:cTn id="1" dur="indefinite" restart="never" nodeType="tmRoot"/>
-      </p:par>
-    </p:tnLst>
-  </p:timing>
-</p:sld>
-</file>
-
-<file path=ppt/slides/slide12.xml><?xml version="1.0" encoding="utf-8"?>
-<p:sld xmlns:a="http://schemas.openxmlformats.org/drawingml/2006/main" xmlns:r="http://schemas.openxmlformats.org/officeDocument/2006/relationships" xmlns:p="http://schemas.openxmlformats.org/presentationml/2006/main">
-  <p:cSld>
-    <p:spTree>
-      <p:nvGrpSpPr>
-        <p:cNvPr id="1" name=""/>
-        <p:cNvGrpSpPr/>
-        <p:nvPr/>
-      </p:nvGrpSpPr>
-      <p:grpSpPr>
-        <a:xfrm>
-          <a:off x="0" y="0"/>
-          <a:ext cx="0" cy="0"/>
-          <a:chOff x="0" y="0"/>
-          <a:chExt cx="0" cy="0"/>
-        </a:xfrm>
-      </p:grpSpPr>
-      <p:sp>
-        <p:nvSpPr>
           <p:cNvPr id="15362" name="标题 1"/>
           <p:cNvSpPr>
             <a:spLocks noGrp="1"/>
@@ -16556,6 +16524,153 @@
   <p:clrMapOvr>
     <a:masterClrMapping/>
   </p:clrMapOvr>
+  <p:timing>
+    <p:tnLst>
+      <p:par>
+        <p:cTn id="1" dur="indefinite" restart="never" nodeType="tmRoot"/>
+      </p:par>
+    </p:tnLst>
+  </p:timing>
+</p:sld>
+</file>
+
+<file path=ppt/slides/slide12.xml><?xml version="1.0" encoding="utf-8"?>
+<p:sld xmlns:a="http://schemas.openxmlformats.org/drawingml/2006/main" xmlns:r="http://schemas.openxmlformats.org/officeDocument/2006/relationships" xmlns:p="http://schemas.openxmlformats.org/presentationml/2006/main">
+  <p:cSld>
+    <p:spTree>
+      <p:nvGrpSpPr>
+        <p:cNvPr id="1" name=""/>
+        <p:cNvGrpSpPr/>
+        <p:nvPr/>
+      </p:nvGrpSpPr>
+      <p:grpSpPr>
+        <a:xfrm>
+          <a:off x="0" y="0"/>
+          <a:ext cx="0" cy="0"/>
+          <a:chOff x="0" y="0"/>
+          <a:chExt cx="0" cy="0"/>
+        </a:xfrm>
+      </p:grpSpPr>
+      <p:sp>
+        <p:nvSpPr>
+          <p:cNvPr id="16386" name="Rectangle 2"/>
+          <p:cNvSpPr>
+            <a:spLocks noGrp="1"/>
+          </p:cNvSpPr>
+          <p:nvPr>
+            <p:ph type="title"/>
+          </p:nvPr>
+        </p:nvSpPr>
+        <p:spPr/>
+        <p:txBody>
+          <a:bodyPr/>
+          <a:lstStyle/>
+          <a:p>
+            <a:r>
+              <a:rPr lang="en-US" altLang="zh-CN" smtClean="0"/>
+              <a:t>super</a:t>
+            </a:r>
+            <a:r>
+              <a:rPr lang="zh-CN" altLang="en-US" smtClean="0"/>
+              <a:t>关键字</a:t>
+            </a:r>
+          </a:p>
+        </p:txBody>
+      </p:sp>
+      <p:sp>
+        <p:nvSpPr>
+          <p:cNvPr id="16387" name="Rectangle 3"/>
+          <p:cNvSpPr>
+            <a:spLocks noGrp="1"/>
+          </p:cNvSpPr>
+          <p:nvPr>
+            <p:ph idx="1"/>
+          </p:nvPr>
+        </p:nvSpPr>
+        <p:spPr/>
+        <p:txBody>
+          <a:bodyPr/>
+          <a:lstStyle/>
+          <a:p>
+            <a:pPr>
+              <a:lnSpc>
+                <a:spcPct val="150000"/>
+              </a:lnSpc>
+            </a:pPr>
+            <a:r>
+              <a:rPr lang="zh-CN" altLang="en-US" dirty="0" smtClean="0"/>
+              <a:t>调用父类的构造方法</a:t>
+            </a:r>
+          </a:p>
+          <a:p>
+            <a:pPr lvl="1">
+              <a:lnSpc>
+                <a:spcPct val="150000"/>
+              </a:lnSpc>
+            </a:pPr>
+            <a:r>
+              <a:rPr lang="zh-CN" altLang="en-US" dirty="0" smtClean="0"/>
+              <a:t>使用</a:t>
+            </a:r>
+            <a:r>
+              <a:rPr lang="en-US" altLang="zh-CN" dirty="0" smtClean="0"/>
+              <a:t>super()</a:t>
+            </a:r>
+            <a:r>
+              <a:rPr lang="zh-CN" altLang="en-US" dirty="0" smtClean="0"/>
+              <a:t>、</a:t>
+            </a:r>
+            <a:r>
+              <a:rPr lang="en-US" altLang="zh-CN" dirty="0" smtClean="0"/>
+              <a:t>super(</a:t>
+            </a:r>
+            <a:r>
+              <a:rPr lang="zh-CN" altLang="en-US" dirty="0" smtClean="0"/>
+              <a:t>参数</a:t>
+            </a:r>
+            <a:r>
+              <a:rPr lang="en-US" altLang="zh-CN" dirty="0" smtClean="0"/>
+              <a:t>)</a:t>
+            </a:r>
+            <a:r>
+              <a:rPr lang="zh-CN" altLang="en-US" dirty="0" smtClean="0"/>
+              <a:t>的形式。</a:t>
+            </a:r>
+          </a:p>
+          <a:p>
+            <a:pPr lvl="1">
+              <a:lnSpc>
+                <a:spcPct val="150000"/>
+              </a:lnSpc>
+            </a:pPr>
+            <a:r>
+              <a:rPr lang="en-US" altLang="zh-CN" dirty="0" smtClean="0"/>
+              <a:t>super()</a:t>
+            </a:r>
+            <a:r>
+              <a:rPr lang="zh-CN" altLang="en-US" dirty="0" smtClean="0"/>
+              <a:t>调用只能放在子类构造方法的第一行。</a:t>
+            </a:r>
+          </a:p>
+          <a:p>
+            <a:pPr lvl="1">
+              <a:lnSpc>
+                <a:spcPct val="150000"/>
+              </a:lnSpc>
+            </a:pPr>
+            <a:r>
+              <a:rPr lang="zh-CN" altLang="en-US" dirty="0" smtClean="0"/>
+              <a:t>子类构造方法中没有显示调用父类构造方法，则默认调用父类的无参构造方法。</a:t>
+            </a:r>
+          </a:p>
+        </p:txBody>
+      </p:sp>
+    </p:spTree>
+  </p:cSld>
+  <p:clrMapOvr>
+    <a:masterClrMapping/>
+  </p:clrMapOvr>
+  <p:transition/>
   <p:timing>
     <p:tnLst>
       <p:par>
@@ -17421,8 +17536,8 @@
         </p:nvSpPr>
         <p:spPr bwMode="auto">
           <a:xfrm>
-            <a:off x="2135560" y="1052736"/>
-            <a:ext cx="6624736" cy="5355232"/>
+            <a:off x="2135560" y="980728"/>
+            <a:ext cx="6624736" cy="5805264"/>
           </a:xfrm>
           <a:prstGeom prst="rect">
             <a:avLst/>
@@ -17850,8 +17965,25 @@
                 <a:latin typeface="微软雅黑" pitchFamily="34" charset="-122"/>
                 <a:ea typeface="微软雅黑" pitchFamily="34" charset="-122"/>
               </a:rPr>
-              <a:t>class Teacher extends Person {</a:t>
-            </a:r>
+              <a:t>class Teacher extends Person </a:t>
+            </a:r>
+            <a:r>
+              <a:rPr lang="en-US" altLang="zh-CN" sz="1800" dirty="0" smtClean="0">
+                <a:solidFill>
+                  <a:schemeClr val="tx1"/>
+                </a:solidFill>
+                <a:latin typeface="微软雅黑" pitchFamily="34" charset="-122"/>
+                <a:ea typeface="微软雅黑" pitchFamily="34" charset="-122"/>
+              </a:rPr>
+              <a:t>{</a:t>
+            </a:r>
+            <a:endParaRPr lang="en-US" altLang="zh-CN" sz="1800" dirty="0">
+              <a:solidFill>
+                <a:schemeClr val="tx1"/>
+              </a:solidFill>
+              <a:latin typeface="微软雅黑" pitchFamily="34" charset="-122"/>
+              <a:ea typeface="微软雅黑" pitchFamily="34" charset="-122"/>
+            </a:endParaRPr>
           </a:p>
           <a:p>
             <a:pPr eaLnBrk="0" hangingPunct="0">
@@ -17972,6 +18104,290 @@
                 <a:ea typeface="微软雅黑" pitchFamily="34" charset="-122"/>
               </a:rPr>
               <a:t>Person display</a:t>
+            </a:r>
+          </a:p>
+        </p:txBody>
+      </p:sp>
+      <p:sp>
+        <p:nvSpPr>
+          <p:cNvPr id="5" name="TextBox 12"/>
+          <p:cNvSpPr txBox="1">
+            <a:spLocks noChangeArrowheads="1"/>
+          </p:cNvSpPr>
+          <p:nvPr/>
+        </p:nvSpPr>
+        <p:spPr bwMode="auto">
+          <a:xfrm>
+            <a:off x="2165984" y="5961474"/>
+            <a:ext cx="6234271" cy="707886"/>
+          </a:xfrm>
+          <a:prstGeom prst="rect">
+            <a:avLst/>
+          </a:prstGeom>
+          <a:solidFill>
+            <a:srgbClr val="FFCC99"/>
+          </a:solidFill>
+          <a:ln>
+            <a:noFill/>
+          </a:ln>
+          <a:extLst>
+            <a:ext uri="{91240B29-F687-4F45-9708-019B960494DF}">
+              <a14:hiddenLine xmlns:a14="http://schemas.microsoft.com/office/drawing/2010/main" w="9525">
+                <a:solidFill>
+                  <a:srgbClr val="000000"/>
+                </a:solidFill>
+                <a:miter lim="800000"/>
+                <a:headEnd/>
+                <a:tailEnd/>
+              </a14:hiddenLine>
+            </a:ext>
+          </a:extLst>
+        </p:spPr>
+        <p:txBody>
+          <a:bodyPr wrap="square">
+            <a:spAutoFit/>
+          </a:bodyPr>
+          <a:lstStyle>
+            <a:lvl1pPr eaLnBrk="0" hangingPunct="0">
+              <a:defRPr sz="2000">
+                <a:solidFill>
+                  <a:srgbClr val="A50021"/>
+                </a:solidFill>
+                <a:latin typeface="Arial" pitchFamily="34" charset="0"/>
+              </a:defRPr>
+            </a:lvl1pPr>
+            <a:lvl2pPr marL="742950" indent="-285750" eaLnBrk="0" hangingPunct="0">
+              <a:defRPr sz="2000">
+                <a:solidFill>
+                  <a:srgbClr val="A50021"/>
+                </a:solidFill>
+                <a:latin typeface="Arial" pitchFamily="34" charset="0"/>
+              </a:defRPr>
+            </a:lvl2pPr>
+            <a:lvl3pPr marL="1143000" indent="-228600" eaLnBrk="0" hangingPunct="0">
+              <a:defRPr sz="2000">
+                <a:solidFill>
+                  <a:srgbClr val="A50021"/>
+                </a:solidFill>
+                <a:latin typeface="Arial" pitchFamily="34" charset="0"/>
+              </a:defRPr>
+            </a:lvl3pPr>
+            <a:lvl4pPr marL="1600200" indent="-228600" eaLnBrk="0" hangingPunct="0">
+              <a:defRPr sz="2000">
+                <a:solidFill>
+                  <a:srgbClr val="A50021"/>
+                </a:solidFill>
+                <a:latin typeface="Arial" pitchFamily="34" charset="0"/>
+              </a:defRPr>
+            </a:lvl4pPr>
+            <a:lvl5pPr marL="2057400" indent="-228600" eaLnBrk="0" hangingPunct="0">
+              <a:defRPr sz="2000">
+                <a:solidFill>
+                  <a:srgbClr val="A50021"/>
+                </a:solidFill>
+                <a:latin typeface="Arial" pitchFamily="34" charset="0"/>
+              </a:defRPr>
+            </a:lvl5pPr>
+            <a:lvl6pPr marL="2514600" indent="-228600" eaLnBrk="0" fontAlgn="base" hangingPunct="0">
+              <a:spcBef>
+                <a:spcPct val="0"/>
+              </a:spcBef>
+              <a:spcAft>
+                <a:spcPct val="0"/>
+              </a:spcAft>
+              <a:defRPr sz="2000">
+                <a:solidFill>
+                  <a:srgbClr val="A50021"/>
+                </a:solidFill>
+                <a:latin typeface="Arial" pitchFamily="34" charset="0"/>
+              </a:defRPr>
+            </a:lvl6pPr>
+            <a:lvl7pPr marL="2971800" indent="-228600" eaLnBrk="0" fontAlgn="base" hangingPunct="0">
+              <a:spcBef>
+                <a:spcPct val="0"/>
+              </a:spcBef>
+              <a:spcAft>
+                <a:spcPct val="0"/>
+              </a:spcAft>
+              <a:defRPr sz="2000">
+                <a:solidFill>
+                  <a:srgbClr val="A50021"/>
+                </a:solidFill>
+                <a:latin typeface="Arial" pitchFamily="34" charset="0"/>
+              </a:defRPr>
+            </a:lvl7pPr>
+            <a:lvl8pPr marL="3429000" indent="-228600" eaLnBrk="0" fontAlgn="base" hangingPunct="0">
+              <a:spcBef>
+                <a:spcPct val="0"/>
+              </a:spcBef>
+              <a:spcAft>
+                <a:spcPct val="0"/>
+              </a:spcAft>
+              <a:defRPr sz="2000">
+                <a:solidFill>
+                  <a:srgbClr val="A50021"/>
+                </a:solidFill>
+                <a:latin typeface="Arial" pitchFamily="34" charset="0"/>
+              </a:defRPr>
+            </a:lvl8pPr>
+            <a:lvl9pPr marL="3886200" indent="-228600" eaLnBrk="0" fontAlgn="base" hangingPunct="0">
+              <a:spcBef>
+                <a:spcPct val="0"/>
+              </a:spcBef>
+              <a:spcAft>
+                <a:spcPct val="0"/>
+              </a:spcAft>
+              <a:defRPr sz="2000">
+                <a:solidFill>
+                  <a:srgbClr val="A50021"/>
+                </a:solidFill>
+                <a:latin typeface="Arial" pitchFamily="34" charset="0"/>
+              </a:defRPr>
+            </a:lvl9pPr>
+          </a:lstStyle>
+          <a:p>
+            <a:pPr eaLnBrk="1" hangingPunct="1"/>
+            <a:r>
+              <a:rPr lang="en-US" altLang="zh-CN" dirty="0" smtClean="0">
+                <a:solidFill>
+                  <a:srgbClr val="FF0000"/>
+                </a:solidFill>
+                <a:ea typeface="宋体" pitchFamily="2" charset="-122"/>
+              </a:rPr>
+              <a:t>      System.out.println</a:t>
+            </a:r>
+            <a:r>
+              <a:rPr lang="en-US" altLang="zh-CN" dirty="0">
+                <a:solidFill>
+                  <a:srgbClr val="FF0000"/>
+                </a:solidFill>
+                <a:ea typeface="宋体" pitchFamily="2" charset="-122"/>
+              </a:rPr>
+              <a:t>("Teacher display");</a:t>
+            </a:r>
+          </a:p>
+          <a:p>
+            <a:pPr eaLnBrk="1" hangingPunct="1"/>
+            <a:r>
+              <a:rPr lang="en-US" altLang="zh-CN" dirty="0" smtClean="0">
+                <a:solidFill>
+                  <a:schemeClr val="tx1"/>
+                </a:solidFill>
+                <a:ea typeface="宋体" pitchFamily="2" charset="-122"/>
+              </a:rPr>
+              <a:t>}</a:t>
+            </a:r>
+            <a:endParaRPr lang="zh-CN" altLang="en-US" dirty="0">
+              <a:solidFill>
+                <a:schemeClr val="tx1"/>
+              </a:solidFill>
+              <a:ea typeface="宋体" pitchFamily="2" charset="-122"/>
+            </a:endParaRPr>
+          </a:p>
+        </p:txBody>
+      </p:sp>
+      <p:sp>
+        <p:nvSpPr>
+          <p:cNvPr id="7" name="矩形 6"/>
+          <p:cNvSpPr/>
+          <p:nvPr/>
+        </p:nvSpPr>
+        <p:spPr>
+          <a:xfrm>
+            <a:off x="8953672" y="5373216"/>
+            <a:ext cx="2567608" cy="1034129"/>
+          </a:xfrm>
+          <a:prstGeom prst="rect">
+            <a:avLst/>
+          </a:prstGeom>
+          <a:solidFill>
+            <a:schemeClr val="bg1"/>
+          </a:solidFill>
+        </p:spPr>
+        <p:txBody>
+          <a:bodyPr wrap="square">
+            <a:spAutoFit/>
+          </a:bodyPr>
+          <a:lstStyle/>
+          <a:p>
+            <a:pPr eaLnBrk="0" hangingPunct="0">
+              <a:spcBef>
+                <a:spcPct val="20000"/>
+              </a:spcBef>
+              <a:defRPr/>
+            </a:pPr>
+            <a:r>
+              <a:rPr lang="zh-CN" altLang="en-US" sz="1800" dirty="0" smtClean="0">
+                <a:solidFill>
+                  <a:schemeClr val="tx1"/>
+                </a:solidFill>
+                <a:latin typeface="微软雅黑" pitchFamily="34" charset="-122"/>
+                <a:ea typeface="微软雅黑" pitchFamily="34" charset="-122"/>
+              </a:rPr>
+              <a:t>输出</a:t>
+            </a:r>
+            <a:r>
+              <a:rPr lang="zh-CN" altLang="en-US" sz="1800" dirty="0">
+                <a:solidFill>
+                  <a:schemeClr val="tx1"/>
+                </a:solidFill>
+                <a:latin typeface="微软雅黑" pitchFamily="34" charset="-122"/>
+                <a:ea typeface="微软雅黑" pitchFamily="34" charset="-122"/>
+              </a:rPr>
+              <a:t>结果：</a:t>
+            </a:r>
+            <a:endParaRPr lang="en-US" altLang="zh-CN" sz="1800" dirty="0">
+              <a:solidFill>
+                <a:schemeClr val="tx1"/>
+              </a:solidFill>
+              <a:latin typeface="微软雅黑" pitchFamily="34" charset="-122"/>
+              <a:ea typeface="微软雅黑" pitchFamily="34" charset="-122"/>
+            </a:endParaRPr>
+          </a:p>
+          <a:p>
+            <a:pPr eaLnBrk="0" hangingPunct="0">
+              <a:spcBef>
+                <a:spcPct val="20000"/>
+              </a:spcBef>
+              <a:defRPr/>
+            </a:pPr>
+            <a:r>
+              <a:rPr lang="en-US" altLang="zh-CN" sz="1800" dirty="0">
+                <a:solidFill>
+                  <a:schemeClr val="tx1"/>
+                </a:solidFill>
+                <a:latin typeface="微软雅黑" pitchFamily="34" charset="-122"/>
+                <a:ea typeface="微软雅黑" pitchFamily="34" charset="-122"/>
+              </a:rPr>
+              <a:t>Person display</a:t>
+            </a:r>
+          </a:p>
+          <a:p>
+            <a:pPr eaLnBrk="0" hangingPunct="0">
+              <a:spcBef>
+                <a:spcPct val="20000"/>
+              </a:spcBef>
+              <a:defRPr/>
+            </a:pPr>
+            <a:r>
+              <a:rPr lang="en-US" altLang="zh-CN" sz="1800" dirty="0" smtClean="0">
+                <a:solidFill>
+                  <a:srgbClr val="FF0000"/>
+                </a:solidFill>
+                <a:latin typeface="微软雅黑" pitchFamily="34" charset="-122"/>
+                <a:ea typeface="微软雅黑" pitchFamily="34" charset="-122"/>
+              </a:rPr>
+              <a:t>Teacher </a:t>
+            </a:r>
+            <a:r>
+              <a:rPr lang="en-US" altLang="zh-CN" sz="1800" dirty="0">
+                <a:solidFill>
+                  <a:srgbClr val="FF0000"/>
+                </a:solidFill>
+                <a:latin typeface="微软雅黑" pitchFamily="34" charset="-122"/>
+                <a:ea typeface="微软雅黑" pitchFamily="34" charset="-122"/>
+              </a:rPr>
+              <a:t>display</a:t>
             </a:r>
           </a:p>
         </p:txBody>
@@ -18091,6 +18507,112 @@
                       </p:childTnLst>
                     </p:cTn>
                   </p:par>
+                  <p:par>
+                    <p:cTn id="10" fill="hold">
+                      <p:stCondLst>
+                        <p:cond delay="indefinite"/>
+                      </p:stCondLst>
+                      <p:childTnLst>
+                        <p:par>
+                          <p:cTn id="11" fill="hold">
+                            <p:stCondLst>
+                              <p:cond delay="0"/>
+                            </p:stCondLst>
+                            <p:childTnLst>
+                              <p:par>
+                                <p:cTn id="12" presetID="10" presetClass="entr" presetSubtype="0" fill="hold" grpId="0" nodeType="clickEffect">
+                                  <p:stCondLst>
+                                    <p:cond delay="0"/>
+                                  </p:stCondLst>
+                                  <p:childTnLst>
+                                    <p:set>
+                                      <p:cBhvr>
+                                        <p:cTn id="13" dur="1" fill="hold">
+                                          <p:stCondLst>
+                                            <p:cond delay="0"/>
+                                          </p:stCondLst>
+                                        </p:cTn>
+                                        <p:tgtEl>
+                                          <p:spTgt spid="5"/>
+                                        </p:tgtEl>
+                                        <p:attrNameLst>
+                                          <p:attrName>style.visibility</p:attrName>
+                                        </p:attrNameLst>
+                                      </p:cBhvr>
+                                      <p:to>
+                                        <p:strVal val="visible"/>
+                                      </p:to>
+                                    </p:set>
+                                    <p:animEffect transition="in" filter="fade">
+                                      <p:cBhvr>
+                                        <p:cTn id="14" dur="500"/>
+                                        <p:tgtEl>
+                                          <p:spTgt spid="5"/>
+                                        </p:tgtEl>
+                                      </p:cBhvr>
+                                    </p:animEffect>
+                                  </p:childTnLst>
+                                </p:cTn>
+                              </p:par>
+                            </p:childTnLst>
+                          </p:cTn>
+                        </p:par>
+                      </p:childTnLst>
+                    </p:cTn>
+                  </p:par>
+                  <p:par>
+                    <p:cTn id="15" fill="hold">
+                      <p:stCondLst>
+                        <p:cond delay="indefinite"/>
+                      </p:stCondLst>
+                      <p:childTnLst>
+                        <p:par>
+                          <p:cTn id="16" fill="hold">
+                            <p:stCondLst>
+                              <p:cond delay="0"/>
+                            </p:stCondLst>
+                            <p:childTnLst>
+                              <p:par>
+                                <p:cTn id="17" presetID="10" presetClass="entr" presetSubtype="0" fill="hold" grpId="0" nodeType="clickEffect">
+                                  <p:stCondLst>
+                                    <p:cond delay="0"/>
+                                  </p:stCondLst>
+                                  <p:childTnLst>
+                                    <p:set>
+                                      <p:cBhvr>
+                                        <p:cTn id="18" dur="1" fill="hold">
+                                          <p:stCondLst>
+                                            <p:cond delay="0"/>
+                                          </p:stCondLst>
+                                        </p:cTn>
+                                        <p:tgtEl>
+                                          <p:spTgt spid="7"/>
+                                        </p:tgtEl>
+                                        <p:attrNameLst>
+                                          <p:attrName>style.visibility</p:attrName>
+                                        </p:attrNameLst>
+                                      </p:cBhvr>
+                                      <p:to>
+                                        <p:strVal val="visible"/>
+                                      </p:to>
+                                    </p:set>
+                                    <p:animEffect transition="in" filter="fade">
+                                      <p:cBhvr>
+                                        <p:cTn id="19" dur="500"/>
+                                        <p:tgtEl>
+                                          <p:spTgt spid="7"/>
+                                        </p:tgtEl>
+                                      </p:cBhvr>
+                                    </p:animEffect>
+                                  </p:childTnLst>
+                                </p:cTn>
+                              </p:par>
+                            </p:childTnLst>
+                          </p:cTn>
+                        </p:par>
+                      </p:childTnLst>
+                    </p:cTn>
+                  </p:par>
                 </p:childTnLst>
               </p:cTn>
               <p:prevCondLst>
@@ -18114,6 +18636,8 @@
     </p:tnLst>
     <p:bldLst>
       <p:bldP spid="4" grpId="0" animBg="1"/>
+      <p:bldP spid="5" grpId="0" animBg="1"/>
+      <p:bldP spid="7" grpId="0" animBg="1"/>
     </p:bldLst>
   </p:timing>
 </p:sld>
@@ -21335,8 +21859,8 @@
         </p:nvSpPr>
         <p:spPr>
           <a:xfrm>
-            <a:off x="4655840" y="1160749"/>
-            <a:ext cx="3312368" cy="4965415"/>
+            <a:off x="609600" y="1160749"/>
+            <a:ext cx="7358608" cy="4965415"/>
           </a:xfrm>
         </p:spPr>
         <p:txBody>
@@ -22527,7 +23051,31 @@
             </a:r>
             <a:r>
               <a:rPr lang="zh-CN" altLang="en-US" dirty="0" smtClean="0"/>
-              <a:t>修饰的方法称为抽象方法，抽象方法只有方法的声明没有方法实现，即没有方法体。包含抽象方法的类本身必须被声明为抽象的。</a:t>
+              <a:t>修饰的方法称为</a:t>
+            </a:r>
+            <a:r>
+              <a:rPr lang="zh-CN" altLang="en-US" dirty="0" smtClean="0">
+                <a:solidFill>
+                  <a:srgbClr val="FF0000"/>
+                </a:solidFill>
+              </a:rPr>
+              <a:t>抽象方法</a:t>
+            </a:r>
+            <a:r>
+              <a:rPr lang="zh-CN" altLang="en-US" dirty="0" smtClean="0"/>
+              <a:t>，抽象方法只有方法的声明没有方法实现，即</a:t>
+            </a:r>
+            <a:r>
+              <a:rPr lang="zh-CN" altLang="en-US" dirty="0" smtClean="0">
+                <a:solidFill>
+                  <a:srgbClr val="FF0000"/>
+                </a:solidFill>
+              </a:rPr>
+              <a:t>没有方法体</a:t>
+            </a:r>
+            <a:r>
+              <a:rPr lang="zh-CN" altLang="en-US" dirty="0" smtClean="0"/>
+              <a:t>。包含抽象方法的类本身必须被声明为抽象的。</a:t>
             </a:r>
           </a:p>
         </p:txBody>
@@ -25297,7 +25845,25 @@
                 </a:solidFill>
                 <a:ea typeface="宋体" pitchFamily="2" charset="-122"/>
               </a:rPr>
-              <a:t>class Employee implements Comparable {</a:t>
+              <a:t>class Employee </a:t>
+            </a:r>
+            <a:r>
+              <a:rPr lang="en-US" altLang="zh-CN" dirty="0">
+                <a:solidFill>
+                  <a:srgbClr val="FF0000"/>
+                </a:solidFill>
+                <a:ea typeface="宋体" pitchFamily="2" charset="-122"/>
+              </a:rPr>
+              <a:t>implements</a:t>
+            </a:r>
+            <a:r>
+              <a:rPr lang="en-US" altLang="zh-CN" dirty="0">
+                <a:solidFill>
+                  <a:schemeClr val="tx1"/>
+                </a:solidFill>
+                <a:ea typeface="宋体" pitchFamily="2" charset="-122"/>
+              </a:rPr>
+              <a:t> Comparable {</a:t>
             </a:r>
           </a:p>
           <a:p>
@@ -26370,7 +26936,25 @@
                 </a:solidFill>
                 <a:ea typeface="宋体" pitchFamily="2" charset="-122"/>
               </a:rPr>
-              <a:t> extends interFace1,interFace2 {</a:t>
+              <a:t> </a:t>
+            </a:r>
+            <a:r>
+              <a:rPr lang="en-US" altLang="zh-CN" dirty="0">
+                <a:solidFill>
+                  <a:srgbClr val="FF0000"/>
+                </a:solidFill>
+                <a:ea typeface="宋体" pitchFamily="2" charset="-122"/>
+              </a:rPr>
+              <a:t>extends</a:t>
+            </a:r>
+            <a:r>
+              <a:rPr lang="en-US" altLang="zh-CN" dirty="0">
+                <a:solidFill>
+                  <a:schemeClr val="tx1"/>
+                </a:solidFill>
+                <a:ea typeface="宋体" pitchFamily="2" charset="-122"/>
+              </a:rPr>
+              <a:t> interFace1,interFace2 {</a:t>
             </a:r>
             <a:endParaRPr lang="zh-CN" altLang="zh-CN" dirty="0">
               <a:solidFill>
